--- a/Numba-Numpy.pptx
+++ b/Numba-Numpy.pptx
@@ -5,7 +5,7 @@
     <p:sldMasterId id="2147483648" r:id="rId4"/>
   </p:sldMasterIdLst>
   <p:notesMasterIdLst>
-    <p:notesMasterId r:id="rId11"/>
+    <p:notesMasterId r:id="rId16"/>
   </p:notesMasterIdLst>
   <p:sldIdLst>
     <p:sldId id="260" r:id="rId5"/>
@@ -14,6 +14,11 @@
     <p:sldId id="262" r:id="rId8"/>
     <p:sldId id="263" r:id="rId9"/>
     <p:sldId id="264" r:id="rId10"/>
+    <p:sldId id="265" r:id="rId11"/>
+    <p:sldId id="266" r:id="rId12"/>
+    <p:sldId id="267" r:id="rId13"/>
+    <p:sldId id="268" r:id="rId14"/>
+    <p:sldId id="269" r:id="rId15"/>
   </p:sldIdLst>
   <p:sldSz cx="12192000" cy="6858000"/>
   <p:notesSz cx="6858000" cy="9144000"/>
@@ -202,7 +207,7 @@
           <a:p>
             <a:fld id="{4B3F774C-70F7-4ED4-813C-739E51CF8487}" type="datetimeFigureOut">
               <a:rPr lang="en-US" smtClean="0"/>
-              <a:t>5/28/2023</a:t>
+              <a:t>5/29/2023</a:t>
             </a:fld>
             <a:endParaRPr lang="en-US" dirty="0"/>
           </a:p>
@@ -971,7 +976,7 @@
           <a:p>
             <a:fld id="{F9F2E34D-57B0-41D5-A7AF-DF10D1068115}" type="datetime1">
               <a:rPr lang="en-US" smtClean="0"/>
-              <a:t>5/28/2023</a:t>
+              <a:t>5/29/2023</a:t>
             </a:fld>
             <a:endParaRPr lang="en-US" dirty="0"/>
           </a:p>
@@ -1263,7 +1268,7 @@
           <a:p>
             <a:fld id="{DF6E8327-77F4-4A2B-9238-101C8E3404E4}" type="datetime1">
               <a:rPr lang="en-US" smtClean="0"/>
-              <a:t>5/28/2023</a:t>
+              <a:t>5/29/2023</a:t>
             </a:fld>
             <a:endParaRPr lang="en-US" dirty="0"/>
           </a:p>
@@ -1507,7 +1512,7 @@
           <a:p>
             <a:fld id="{5287327A-3B7B-4F18-AD00-4892CF91FF9D}" type="datetime1">
               <a:rPr lang="en-US" smtClean="0"/>
-              <a:t>5/28/2023</a:t>
+              <a:t>5/29/2023</a:t>
             </a:fld>
             <a:endParaRPr lang="en-US" dirty="0"/>
           </a:p>
@@ -2043,7 +2048,7 @@
           <a:p>
             <a:fld id="{84398241-E647-4007-AB01-BB30869910EB}" type="datetime1">
               <a:rPr lang="en-US" smtClean="0"/>
-              <a:t>5/28/2023</a:t>
+              <a:t>5/29/2023</a:t>
             </a:fld>
             <a:endParaRPr lang="en-US" dirty="0"/>
           </a:p>
@@ -2287,7 +2292,7 @@
           <a:p>
             <a:fld id="{A09F5554-C941-4C3B-A197-75ED448862A0}" type="datetime1">
               <a:rPr lang="en-US" smtClean="0"/>
-              <a:t>5/28/2023</a:t>
+              <a:t>5/29/2023</a:t>
             </a:fld>
             <a:endParaRPr lang="en-US" dirty="0"/>
           </a:p>
@@ -2815,7 +2820,7 @@
           <a:p>
             <a:fld id="{DC6B44A0-C3F8-4023-9352-7CF7C034B2C8}" type="datetime1">
               <a:rPr lang="en-US" smtClean="0"/>
-              <a:t>5/28/2023</a:t>
+              <a:t>5/29/2023</a:t>
             </a:fld>
             <a:endParaRPr lang="en-US" dirty="0"/>
           </a:p>
@@ -3108,7 +3113,7 @@
           <a:p>
             <a:fld id="{79C3DC5B-471F-47EA-B884-FE923235A560}" type="datetime1">
               <a:rPr lang="en-US" smtClean="0"/>
-              <a:t>5/28/2023</a:t>
+              <a:t>5/29/2023</a:t>
             </a:fld>
             <a:endParaRPr lang="en-US" dirty="0"/>
           </a:p>
@@ -3278,7 +3283,7 @@
           <a:p>
             <a:fld id="{03F8C408-3247-4796-93FF-B91D6887AEC0}" type="datetime1">
               <a:rPr lang="en-US" smtClean="0"/>
-              <a:t>5/28/2023</a:t>
+              <a:t>5/29/2023</a:t>
             </a:fld>
             <a:endParaRPr lang="en-US" dirty="0"/>
           </a:p>
@@ -3454,7 +3459,7 @@
           <a:p>
             <a:fld id="{BBA1D282-CC74-49F4-B876-75084EFB56F1}" type="datetime1">
               <a:rPr lang="en-US" smtClean="0"/>
-              <a:t>5/28/2023</a:t>
+              <a:t>5/29/2023</a:t>
             </a:fld>
             <a:endParaRPr lang="en-US" dirty="0"/>
           </a:p>
@@ -3620,7 +3625,7 @@
           <a:p>
             <a:fld id="{BF56EAF9-2583-4989-8D87-13F548ED6E0C}" type="datetime1">
               <a:rPr lang="en-US" smtClean="0"/>
-              <a:t>5/28/2023</a:t>
+              <a:t>5/29/2023</a:t>
             </a:fld>
             <a:endParaRPr lang="en-US" dirty="0"/>
           </a:p>
@@ -3867,7 +3872,7 @@
           <a:p>
             <a:fld id="{B70E3CFB-BB1B-4B2A-ADF6-B1A4609854C4}" type="datetime1">
               <a:rPr lang="en-US" smtClean="0"/>
-              <a:t>5/28/2023</a:t>
+              <a:t>5/29/2023</a:t>
             </a:fld>
             <a:endParaRPr lang="en-US" dirty="0"/>
           </a:p>
@@ -4160,7 +4165,7 @@
           <a:p>
             <a:fld id="{2B3AEAA8-1A97-412E-935C-2E918F139579}" type="datetime1">
               <a:rPr lang="en-US" smtClean="0"/>
-              <a:t>5/28/2023</a:t>
+              <a:t>5/29/2023</a:t>
             </a:fld>
             <a:endParaRPr lang="en-US" dirty="0"/>
           </a:p>
@@ -4598,7 +4603,7 @@
           <a:p>
             <a:fld id="{638B0DF1-CA1F-4E36-8C65-C52A9896A8FB}" type="datetime1">
               <a:rPr lang="en-US" smtClean="0"/>
-              <a:t>5/28/2023</a:t>
+              <a:t>5/29/2023</a:t>
             </a:fld>
             <a:endParaRPr lang="en-US" dirty="0"/>
           </a:p>
@@ -4712,7 +4717,7 @@
           <a:p>
             <a:fld id="{DB6173FD-197A-4AD6-8D60-38B6A76F0734}" type="datetime1">
               <a:rPr lang="en-US" smtClean="0"/>
-              <a:t>5/28/2023</a:t>
+              <a:t>5/29/2023</a:t>
             </a:fld>
             <a:endParaRPr lang="en-US" dirty="0"/>
           </a:p>
@@ -4803,7 +4808,7 @@
           <a:p>
             <a:fld id="{6BDC3949-07FA-4C7A-A990-D6D1043EED71}" type="datetime1">
               <a:rPr lang="en-US" smtClean="0"/>
-              <a:t>5/28/2023</a:t>
+              <a:t>5/29/2023</a:t>
             </a:fld>
             <a:endParaRPr lang="en-US" dirty="0"/>
           </a:p>
@@ -5082,7 +5087,7 @@
           <a:p>
             <a:fld id="{2E9E2DE8-6D13-4218-A974-D45AA7B6E4FF}" type="datetime1">
               <a:rPr lang="en-US" smtClean="0"/>
-              <a:t>5/28/2023</a:t>
+              <a:t>5/29/2023</a:t>
             </a:fld>
             <a:endParaRPr lang="en-US" dirty="0"/>
           </a:p>
@@ -5369,7 +5374,7 @@
           <a:p>
             <a:fld id="{9CDAB7D7-4BDA-4ABC-B31D-66201C69A314}" type="datetime1">
               <a:rPr lang="en-US" smtClean="0"/>
-              <a:t>5/28/2023</a:t>
+              <a:t>5/29/2023</a:t>
             </a:fld>
             <a:endParaRPr lang="en-US" dirty="0"/>
           </a:p>
@@ -5895,7 +5900,7 @@
           <a:p>
             <a:fld id="{4E3F0A0B-291C-4112-A023-023C51AB2E85}" type="datetime1">
               <a:rPr lang="en-US" smtClean="0"/>
-              <a:t>5/28/2023</a:t>
+              <a:t>5/29/2023</a:t>
             </a:fld>
             <a:endParaRPr lang="en-US" dirty="0"/>
           </a:p>
@@ -7028,6 +7033,248 @@
 </p:sld>
 </file>
 
+<file path=ppt/slides/slide10.xml><?xml version="1.0" encoding="utf-8"?>
+<p:sld xmlns:a="http://schemas.openxmlformats.org/drawingml/2006/main" xmlns:r="http://schemas.openxmlformats.org/officeDocument/2006/relationships" xmlns:p="http://schemas.openxmlformats.org/presentationml/2006/main">
+  <p:cSld>
+    <p:spTree>
+      <p:nvGrpSpPr>
+        <p:cNvPr id="1" name=""/>
+        <p:cNvGrpSpPr/>
+        <p:nvPr/>
+      </p:nvGrpSpPr>
+      <p:grpSpPr>
+        <a:xfrm>
+          <a:off x="0" y="0"/>
+          <a:ext cx="0" cy="0"/>
+          <a:chOff x="0" y="0"/>
+          <a:chExt cx="0" cy="0"/>
+        </a:xfrm>
+      </p:grpSpPr>
+      <p:sp>
+        <p:nvSpPr>
+          <p:cNvPr id="3" name="Content Placeholder 2">
+            <a:extLst>
+              <a:ext uri="{FF2B5EF4-FFF2-40B4-BE49-F238E27FC236}">
+                <a16:creationId xmlns:a16="http://schemas.microsoft.com/office/drawing/2014/main" id="{2D769D6C-C585-E019-156A-FE6C544F940F}"/>
+              </a:ext>
+            </a:extLst>
+          </p:cNvPr>
+          <p:cNvSpPr>
+            <a:spLocks noGrp="1"/>
+          </p:cNvSpPr>
+          <p:nvPr>
+            <p:ph idx="1"/>
+          </p:nvPr>
+        </p:nvSpPr>
+        <p:spPr>
+          <a:xfrm>
+            <a:off x="1542062" y="682591"/>
+            <a:ext cx="10018713" cy="5492817"/>
+          </a:xfrm>
+        </p:spPr>
+        <p:txBody>
+          <a:bodyPr>
+            <a:normAutofit/>
+          </a:bodyPr>
+          <a:lstStyle/>
+          <a:p>
+            <a:r>
+              <a:rPr lang="en-US" dirty="0" err="1"/>
+              <a:t>np.sum</a:t>
+            </a:r>
+            <a:r>
+              <a:rPr lang="en-US" dirty="0"/>
+              <a:t>(): Computes the sum of an array.</a:t>
+            </a:r>
+          </a:p>
+          <a:p>
+            <a:endParaRPr lang="en-US" dirty="0"/>
+          </a:p>
+          <a:p>
+            <a:r>
+              <a:rPr lang="en-US" dirty="0" err="1"/>
+              <a:t>np.max</a:t>
+            </a:r>
+            <a:r>
+              <a:rPr lang="en-US" dirty="0"/>
+              <a:t>(): Computes the maximum value of an array.</a:t>
+            </a:r>
+          </a:p>
+          <a:p>
+            <a:endParaRPr lang="en-US" dirty="0"/>
+          </a:p>
+          <a:p>
+            <a:r>
+              <a:rPr lang="en-US" dirty="0" err="1"/>
+              <a:t>np.min</a:t>
+            </a:r>
+            <a:r>
+              <a:rPr lang="en-US" dirty="0"/>
+              <a:t>(): Computes the minimum value of an array.</a:t>
+            </a:r>
+          </a:p>
+          <a:p>
+            <a:endParaRPr lang="en-US" dirty="0"/>
+          </a:p>
+          <a:p>
+            <a:r>
+              <a:rPr lang="en-US" dirty="0" err="1"/>
+              <a:t>np.argmax</a:t>
+            </a:r>
+            <a:r>
+              <a:rPr lang="en-US" dirty="0"/>
+              <a:t>(): Returns the index of the maximum value in an array.</a:t>
+            </a:r>
+          </a:p>
+          <a:p>
+            <a:endParaRPr lang="en-US" dirty="0"/>
+          </a:p>
+          <a:p>
+            <a:r>
+              <a:rPr lang="en-US" dirty="0" err="1"/>
+              <a:t>np.argmin</a:t>
+            </a:r>
+            <a:r>
+              <a:rPr lang="en-US" dirty="0"/>
+              <a:t>(): Returns the index of the minimum value in an array.</a:t>
+            </a:r>
+          </a:p>
+        </p:txBody>
+      </p:sp>
+    </p:spTree>
+    <p:extLst>
+      <p:ext uri="{BB962C8B-B14F-4D97-AF65-F5344CB8AC3E}">
+        <p14:creationId xmlns:p14="http://schemas.microsoft.com/office/powerpoint/2010/main" val="2766278425"/>
+      </p:ext>
+    </p:extLst>
+  </p:cSld>
+  <p:clrMapOvr>
+    <a:masterClrMapping/>
+  </p:clrMapOvr>
+</p:sld>
+</file>
+
+<file path=ppt/slides/slide11.xml><?xml version="1.0" encoding="utf-8"?>
+<p:sld xmlns:a="http://schemas.openxmlformats.org/drawingml/2006/main" xmlns:r="http://schemas.openxmlformats.org/officeDocument/2006/relationships" xmlns:p="http://schemas.openxmlformats.org/presentationml/2006/main">
+  <p:cSld>
+    <p:spTree>
+      <p:nvGrpSpPr>
+        <p:cNvPr id="1" name=""/>
+        <p:cNvGrpSpPr/>
+        <p:nvPr/>
+      </p:nvGrpSpPr>
+      <p:grpSpPr>
+        <a:xfrm>
+          <a:off x="0" y="0"/>
+          <a:ext cx="0" cy="0"/>
+          <a:chOff x="0" y="0"/>
+          <a:chExt cx="0" cy="0"/>
+        </a:xfrm>
+      </p:grpSpPr>
+      <p:sp>
+        <p:nvSpPr>
+          <p:cNvPr id="3" name="Content Placeholder 2">
+            <a:extLst>
+              <a:ext uri="{FF2B5EF4-FFF2-40B4-BE49-F238E27FC236}">
+                <a16:creationId xmlns:a16="http://schemas.microsoft.com/office/drawing/2014/main" id="{E9E7254E-934C-5419-F89C-A51EFACBCB67}"/>
+              </a:ext>
+            </a:extLst>
+          </p:cNvPr>
+          <p:cNvSpPr>
+            <a:spLocks noGrp="1"/>
+          </p:cNvSpPr>
+          <p:nvPr>
+            <p:ph idx="1"/>
+          </p:nvPr>
+        </p:nvSpPr>
+        <p:spPr>
+          <a:xfrm>
+            <a:off x="1484310" y="577517"/>
+            <a:ext cx="10018713" cy="5213684"/>
+          </a:xfrm>
+        </p:spPr>
+        <p:txBody>
+          <a:bodyPr>
+            <a:normAutofit lnSpcReduction="10000"/>
+          </a:bodyPr>
+          <a:lstStyle/>
+          <a:p>
+            <a:r>
+              <a:rPr lang="en-US" dirty="0" err="1"/>
+              <a:t>np.where</a:t>
+            </a:r>
+            <a:r>
+              <a:rPr lang="en-US" dirty="0"/>
+              <a:t>(): Returns the indices of elements in an array that meet a specified condition.</a:t>
+            </a:r>
+          </a:p>
+          <a:p>
+            <a:endParaRPr lang="en-US" dirty="0"/>
+          </a:p>
+          <a:p>
+            <a:r>
+              <a:rPr lang="en-US" dirty="0" err="1"/>
+              <a:t>np.unique</a:t>
+            </a:r>
+            <a:r>
+              <a:rPr lang="en-US" dirty="0"/>
+              <a:t>(): Returns the unique elements in an array.</a:t>
+            </a:r>
+          </a:p>
+          <a:p>
+            <a:endParaRPr lang="en-US" dirty="0"/>
+          </a:p>
+          <a:p>
+            <a:r>
+              <a:rPr lang="en-US" dirty="0" err="1"/>
+              <a:t>np.linalg.inv</a:t>
+            </a:r>
+            <a:r>
+              <a:rPr lang="en-US" dirty="0"/>
+              <a:t>(): Computes the inverse of a matrix.</a:t>
+            </a:r>
+          </a:p>
+          <a:p>
+            <a:endParaRPr lang="en-US" dirty="0"/>
+          </a:p>
+          <a:p>
+            <a:r>
+              <a:rPr lang="en-US" dirty="0" err="1"/>
+              <a:t>np.linalg.eig</a:t>
+            </a:r>
+            <a:r>
+              <a:rPr lang="en-US" dirty="0"/>
+              <a:t>(): Computes the eigenvalues and eigenvectors of a matrix.</a:t>
+            </a:r>
+          </a:p>
+          <a:p>
+            <a:endParaRPr lang="en-US" dirty="0"/>
+          </a:p>
+          <a:p>
+            <a:r>
+              <a:rPr lang="en-US" dirty="0" err="1"/>
+              <a:t>np.fft.fft</a:t>
+            </a:r>
+            <a:r>
+              <a:rPr lang="en-US" dirty="0"/>
+              <a:t>(): Computes the one-dimensional discrete Fourier Transform of an array.</a:t>
+            </a:r>
+          </a:p>
+        </p:txBody>
+      </p:sp>
+    </p:spTree>
+    <p:extLst>
+      <p:ext uri="{BB962C8B-B14F-4D97-AF65-F5344CB8AC3E}">
+        <p14:creationId xmlns:p14="http://schemas.microsoft.com/office/powerpoint/2010/main" val="731452898"/>
+      </p:ext>
+    </p:extLst>
+  </p:cSld>
+  <p:clrMapOvr>
+    <a:masterClrMapping/>
+  </p:clrMapOvr>
+</p:sld>
+</file>
+
 <file path=ppt/slides/slide2.xml><?xml version="1.0" encoding="utf-8"?>
 <p:sld xmlns:a="http://schemas.openxmlformats.org/drawingml/2006/main" xmlns:r="http://schemas.openxmlformats.org/officeDocument/2006/relationships" xmlns:p="http://schemas.openxmlformats.org/presentationml/2006/main">
   <p:cSld>
@@ -8610,10 +8857,33 @@
         </p:nvSpPr>
         <p:spPr/>
         <p:txBody>
-          <a:bodyPr/>
+          <a:bodyPr>
+            <a:noAutofit/>
+          </a:bodyPr>
           <a:lstStyle/>
           <a:p>
-            <a:endParaRPr lang="en-US"/>
+            <a:r>
+              <a:rPr lang="en-US" sz="1800" dirty="0"/>
+              <a:t>NumPy is a library for the Python programming language that provides support for large, multi-dimensional arrays and matrices, along with a large collection of high-level mathematical functions to operate on these arrays.</a:t>
+            </a:r>
+          </a:p>
+          <a:p>
+            <a:endParaRPr lang="en-US" sz="1800" dirty="0"/>
+          </a:p>
+          <a:p>
+            <a:r>
+              <a:rPr lang="en-US" sz="1800" dirty="0"/>
+              <a:t>NumPy is widely used in scientific computing, data analysis, and machine learning applications. It is an essential tool for numerical computing in Python, providing efficient and optimized operations on arrays and matrices, and is designed to work seamlessly with other scientific computing libraries such as SciPy, pandas, and scikit-learn.</a:t>
+            </a:r>
+          </a:p>
+          <a:p>
+            <a:endParaRPr lang="en-US" sz="1800" dirty="0"/>
+          </a:p>
+          <a:p>
+            <a:r>
+              <a:rPr lang="en-US" sz="1800" dirty="0"/>
+              <a:t>NumPy also provides powerful tools for working with data, including tools for indexing, slicing, and reshaping arrays, as well as functions for linear algebra, Fourier analysis, and random number generation. Its performance, flexibility, and ease of use have made it an essential tool for data scientists, researchers, and developers working with numerical data in Python.</a:t>
+            </a:r>
           </a:p>
         </p:txBody>
       </p:sp>
@@ -8621,6 +8891,390 @@
     <p:extLst>
       <p:ext uri="{BB962C8B-B14F-4D97-AF65-F5344CB8AC3E}">
         <p14:creationId xmlns:p14="http://schemas.microsoft.com/office/powerpoint/2010/main" val="1910965291"/>
+      </p:ext>
+    </p:extLst>
+  </p:cSld>
+  <p:clrMapOvr>
+    <a:masterClrMapping/>
+  </p:clrMapOvr>
+</p:sld>
+</file>
+
+<file path=ppt/slides/slide7.xml><?xml version="1.0" encoding="utf-8"?>
+<p:sld xmlns:a="http://schemas.openxmlformats.org/drawingml/2006/main" xmlns:r="http://schemas.openxmlformats.org/officeDocument/2006/relationships" xmlns:p="http://schemas.openxmlformats.org/presentationml/2006/main">
+  <p:cSld>
+    <p:spTree>
+      <p:nvGrpSpPr>
+        <p:cNvPr id="1" name=""/>
+        <p:cNvGrpSpPr/>
+        <p:nvPr/>
+      </p:nvGrpSpPr>
+      <p:grpSpPr>
+        <a:xfrm>
+          <a:off x="0" y="0"/>
+          <a:ext cx="0" cy="0"/>
+          <a:chOff x="0" y="0"/>
+          <a:chExt cx="0" cy="0"/>
+        </a:xfrm>
+      </p:grpSpPr>
+      <p:sp>
+        <p:nvSpPr>
+          <p:cNvPr id="2" name="Title 1">
+            <a:extLst>
+              <a:ext uri="{FF2B5EF4-FFF2-40B4-BE49-F238E27FC236}">
+                <a16:creationId xmlns:a16="http://schemas.microsoft.com/office/drawing/2014/main" id="{D0B061A0-3A7C-3DCE-77A1-E21A48C162DE}"/>
+              </a:ext>
+            </a:extLst>
+          </p:cNvPr>
+          <p:cNvSpPr>
+            <a:spLocks noGrp="1"/>
+          </p:cNvSpPr>
+          <p:nvPr>
+            <p:ph type="title"/>
+          </p:nvPr>
+        </p:nvSpPr>
+        <p:spPr/>
+        <p:txBody>
+          <a:bodyPr/>
+          <a:lstStyle/>
+          <a:p>
+            <a:r>
+              <a:rPr lang="en-US" dirty="0" err="1"/>
+              <a:t>Numpy</a:t>
+            </a:r>
+            <a:r>
+              <a:rPr lang="en-US" dirty="0"/>
+              <a:t> useful functions</a:t>
+            </a:r>
+          </a:p>
+        </p:txBody>
+      </p:sp>
+      <p:sp>
+        <p:nvSpPr>
+          <p:cNvPr id="3" name="Content Placeholder 2">
+            <a:extLst>
+              <a:ext uri="{FF2B5EF4-FFF2-40B4-BE49-F238E27FC236}">
+                <a16:creationId xmlns:a16="http://schemas.microsoft.com/office/drawing/2014/main" id="{F743FAB4-6918-1C52-74AE-2B90DBEE18CA}"/>
+              </a:ext>
+            </a:extLst>
+          </p:cNvPr>
+          <p:cNvSpPr>
+            <a:spLocks noGrp="1"/>
+          </p:cNvSpPr>
+          <p:nvPr>
+            <p:ph idx="1"/>
+          </p:nvPr>
+        </p:nvSpPr>
+        <p:spPr/>
+        <p:txBody>
+          <a:bodyPr>
+            <a:normAutofit fontScale="70000" lnSpcReduction="20000"/>
+          </a:bodyPr>
+          <a:lstStyle/>
+          <a:p>
+            <a:r>
+              <a:rPr lang="en-US" dirty="0" err="1"/>
+              <a:t>np.array</a:t>
+            </a:r>
+            <a:r>
+              <a:rPr lang="en-US" dirty="0"/>
+              <a:t>(): Creates a NumPy array from a Python list or tuple.</a:t>
+            </a:r>
+          </a:p>
+          <a:p>
+            <a:endParaRPr lang="en-US" dirty="0"/>
+          </a:p>
+          <a:p>
+            <a:r>
+              <a:rPr lang="en-US" dirty="0" err="1"/>
+              <a:t>np.zeros</a:t>
+            </a:r>
+            <a:r>
+              <a:rPr lang="en-US" dirty="0"/>
+              <a:t>(): Creates an array filled with zeros of a specified shape.</a:t>
+            </a:r>
+          </a:p>
+          <a:p>
+            <a:endParaRPr lang="en-US" dirty="0"/>
+          </a:p>
+          <a:p>
+            <a:r>
+              <a:rPr lang="en-US" dirty="0" err="1"/>
+              <a:t>np.ones</a:t>
+            </a:r>
+            <a:r>
+              <a:rPr lang="en-US" dirty="0"/>
+              <a:t>(): Creates an array filled with ones of a specified shape.</a:t>
+            </a:r>
+          </a:p>
+          <a:p>
+            <a:endParaRPr lang="en-US" dirty="0"/>
+          </a:p>
+          <a:p>
+            <a:r>
+              <a:rPr lang="en-US" dirty="0" err="1"/>
+              <a:t>np.arange</a:t>
+            </a:r>
+            <a:r>
+              <a:rPr lang="en-US" dirty="0"/>
+              <a:t>(): Creates an array of numbers with a specified range and step size.</a:t>
+            </a:r>
+          </a:p>
+          <a:p>
+            <a:endParaRPr lang="en-US" dirty="0"/>
+          </a:p>
+          <a:p>
+            <a:r>
+              <a:rPr lang="en-US" dirty="0" err="1"/>
+              <a:t>np.linspace</a:t>
+            </a:r>
+            <a:r>
+              <a:rPr lang="en-US" dirty="0"/>
+              <a:t>(): Creates an array of numbers with a specified range and number of evenly spaced points.</a:t>
+            </a:r>
+          </a:p>
+        </p:txBody>
+      </p:sp>
+    </p:spTree>
+    <p:extLst>
+      <p:ext uri="{BB962C8B-B14F-4D97-AF65-F5344CB8AC3E}">
+        <p14:creationId xmlns:p14="http://schemas.microsoft.com/office/powerpoint/2010/main" val="3434716833"/>
+      </p:ext>
+    </p:extLst>
+  </p:cSld>
+  <p:clrMapOvr>
+    <a:masterClrMapping/>
+  </p:clrMapOvr>
+</p:sld>
+</file>
+
+<file path=ppt/slides/slide8.xml><?xml version="1.0" encoding="utf-8"?>
+<p:sld xmlns:a="http://schemas.openxmlformats.org/drawingml/2006/main" xmlns:r="http://schemas.openxmlformats.org/officeDocument/2006/relationships" xmlns:p="http://schemas.openxmlformats.org/presentationml/2006/main">
+  <p:cSld>
+    <p:spTree>
+      <p:nvGrpSpPr>
+        <p:cNvPr id="1" name=""/>
+        <p:cNvGrpSpPr/>
+        <p:nvPr/>
+      </p:nvGrpSpPr>
+      <p:grpSpPr>
+        <a:xfrm>
+          <a:off x="0" y="0"/>
+          <a:ext cx="0" cy="0"/>
+          <a:chOff x="0" y="0"/>
+          <a:chExt cx="0" cy="0"/>
+        </a:xfrm>
+      </p:grpSpPr>
+      <p:sp>
+        <p:nvSpPr>
+          <p:cNvPr id="3" name="Content Placeholder 2">
+            <a:extLst>
+              <a:ext uri="{FF2B5EF4-FFF2-40B4-BE49-F238E27FC236}">
+                <a16:creationId xmlns:a16="http://schemas.microsoft.com/office/drawing/2014/main" id="{738BDF65-FF31-6713-747C-D8DED579ECCA}"/>
+              </a:ext>
+            </a:extLst>
+          </p:cNvPr>
+          <p:cNvSpPr>
+            <a:spLocks noGrp="1"/>
+          </p:cNvSpPr>
+          <p:nvPr>
+            <p:ph idx="1"/>
+          </p:nvPr>
+        </p:nvSpPr>
+        <p:spPr>
+          <a:xfrm>
+            <a:off x="1484310" y="731521"/>
+            <a:ext cx="10018713" cy="5059680"/>
+          </a:xfrm>
+        </p:spPr>
+        <p:txBody>
+          <a:bodyPr>
+            <a:normAutofit lnSpcReduction="10000"/>
+          </a:bodyPr>
+          <a:lstStyle/>
+          <a:p>
+            <a:r>
+              <a:rPr lang="en-US" dirty="0" err="1"/>
+              <a:t>np.random.rand</a:t>
+            </a:r>
+            <a:r>
+              <a:rPr lang="en-US" dirty="0"/>
+              <a:t>(): Generates an array of random numbers from a uniform distribution between 0 and 1.</a:t>
+            </a:r>
+          </a:p>
+          <a:p>
+            <a:endParaRPr lang="en-US" dirty="0"/>
+          </a:p>
+          <a:p>
+            <a:r>
+              <a:rPr lang="en-US" dirty="0" err="1"/>
+              <a:t>np.random.randn</a:t>
+            </a:r>
+            <a:r>
+              <a:rPr lang="en-US" dirty="0"/>
+              <a:t>(): Generates an array of random numbers from a standard normal distribution.</a:t>
+            </a:r>
+          </a:p>
+          <a:p>
+            <a:endParaRPr lang="en-US" dirty="0"/>
+          </a:p>
+          <a:p>
+            <a:r>
+              <a:rPr lang="en-US" dirty="0"/>
+              <a:t>np.dot(): Computes the dot product of two arrays.</a:t>
+            </a:r>
+          </a:p>
+          <a:p>
+            <a:endParaRPr lang="en-US" dirty="0"/>
+          </a:p>
+          <a:p>
+            <a:r>
+              <a:rPr lang="en-US" dirty="0" err="1"/>
+              <a:t>np.transpose</a:t>
+            </a:r>
+            <a:r>
+              <a:rPr lang="en-US" dirty="0"/>
+              <a:t>(): Transposes an array (rows become columns and vice versa).</a:t>
+            </a:r>
+          </a:p>
+          <a:p>
+            <a:endParaRPr lang="en-US" dirty="0"/>
+          </a:p>
+          <a:p>
+            <a:r>
+              <a:rPr lang="en-US" dirty="0" err="1"/>
+              <a:t>np.reshape</a:t>
+            </a:r>
+            <a:r>
+              <a:rPr lang="en-US" dirty="0"/>
+              <a:t>(): Reshapes an array to a specified shape.</a:t>
+            </a:r>
+          </a:p>
+        </p:txBody>
+      </p:sp>
+    </p:spTree>
+    <p:extLst>
+      <p:ext uri="{BB962C8B-B14F-4D97-AF65-F5344CB8AC3E}">
+        <p14:creationId xmlns:p14="http://schemas.microsoft.com/office/powerpoint/2010/main" val="384687320"/>
+      </p:ext>
+    </p:extLst>
+  </p:cSld>
+  <p:clrMapOvr>
+    <a:masterClrMapping/>
+  </p:clrMapOvr>
+</p:sld>
+</file>
+
+<file path=ppt/slides/slide9.xml><?xml version="1.0" encoding="utf-8"?>
+<p:sld xmlns:a="http://schemas.openxmlformats.org/drawingml/2006/main" xmlns:r="http://schemas.openxmlformats.org/officeDocument/2006/relationships" xmlns:p="http://schemas.openxmlformats.org/presentationml/2006/main">
+  <p:cSld>
+    <p:spTree>
+      <p:nvGrpSpPr>
+        <p:cNvPr id="1" name=""/>
+        <p:cNvGrpSpPr/>
+        <p:nvPr/>
+      </p:nvGrpSpPr>
+      <p:grpSpPr>
+        <a:xfrm>
+          <a:off x="0" y="0"/>
+          <a:ext cx="0" cy="0"/>
+          <a:chOff x="0" y="0"/>
+          <a:chExt cx="0" cy="0"/>
+        </a:xfrm>
+      </p:grpSpPr>
+      <p:sp>
+        <p:nvSpPr>
+          <p:cNvPr id="3" name="Content Placeholder 2">
+            <a:extLst>
+              <a:ext uri="{FF2B5EF4-FFF2-40B4-BE49-F238E27FC236}">
+                <a16:creationId xmlns:a16="http://schemas.microsoft.com/office/drawing/2014/main" id="{00F6FA9B-CF61-B4C5-D009-16DDB1C29B60}"/>
+              </a:ext>
+            </a:extLst>
+          </p:cNvPr>
+          <p:cNvSpPr>
+            <a:spLocks noGrp="1"/>
+          </p:cNvSpPr>
+          <p:nvPr>
+            <p:ph idx="1"/>
+          </p:nvPr>
+        </p:nvSpPr>
+        <p:spPr>
+          <a:xfrm>
+            <a:off x="1484310" y="770021"/>
+            <a:ext cx="10018713" cy="5021179"/>
+          </a:xfrm>
+        </p:spPr>
+        <p:txBody>
+          <a:bodyPr/>
+          <a:lstStyle/>
+          <a:p>
+            <a:r>
+              <a:rPr lang="en-US" dirty="0" err="1"/>
+              <a:t>np.vstack</a:t>
+            </a:r>
+            <a:r>
+              <a:rPr lang="en-US" dirty="0"/>
+              <a:t>(): Stacks arrays vertically (along the rows).</a:t>
+            </a:r>
+          </a:p>
+          <a:p>
+            <a:endParaRPr lang="en-US" dirty="0"/>
+          </a:p>
+          <a:p>
+            <a:r>
+              <a:rPr lang="en-US" dirty="0" err="1"/>
+              <a:t>np.hstack</a:t>
+            </a:r>
+            <a:r>
+              <a:rPr lang="en-US" dirty="0"/>
+              <a:t>(): Stacks arrays horizontally (along the columns).</a:t>
+            </a:r>
+          </a:p>
+          <a:p>
+            <a:endParaRPr lang="en-US" dirty="0"/>
+          </a:p>
+          <a:p>
+            <a:r>
+              <a:rPr lang="en-US" dirty="0" err="1"/>
+              <a:t>np.mean</a:t>
+            </a:r>
+            <a:r>
+              <a:rPr lang="en-US" dirty="0"/>
+              <a:t>(): Computes the mean of an array.</a:t>
+            </a:r>
+          </a:p>
+          <a:p>
+            <a:endParaRPr lang="en-US" dirty="0"/>
+          </a:p>
+          <a:p>
+            <a:r>
+              <a:rPr lang="en-US" dirty="0" err="1"/>
+              <a:t>np.median</a:t>
+            </a:r>
+            <a:r>
+              <a:rPr lang="en-US" dirty="0"/>
+              <a:t>(): Computes the median of an array.</a:t>
+            </a:r>
+          </a:p>
+          <a:p>
+            <a:endParaRPr lang="en-US" dirty="0"/>
+          </a:p>
+          <a:p>
+            <a:r>
+              <a:rPr lang="en-US" dirty="0" err="1"/>
+              <a:t>np.std</a:t>
+            </a:r>
+            <a:r>
+              <a:rPr lang="en-US" dirty="0"/>
+              <a:t>(): Computes the standard deviation of an array.</a:t>
+            </a:r>
+          </a:p>
+        </p:txBody>
+      </p:sp>
+    </p:spTree>
+    <p:extLst>
+      <p:ext uri="{BB962C8B-B14F-4D97-AF65-F5344CB8AC3E}">
+        <p14:creationId xmlns:p14="http://schemas.microsoft.com/office/powerpoint/2010/main" val="2665368191"/>
       </p:ext>
     </p:extLst>
   </p:cSld>
@@ -9190,15 +9844,6 @@
 </file>
 
 <file path=customXml/item2.xml><?xml version="1.0" encoding="utf-8"?>
-<?mso-contentType ?>
-<FormTemplates xmlns="http://schemas.microsoft.com/sharepoint/v3/contenttype/forms">
-  <Display>DocumentLibraryForm</Display>
-  <Edit>DocumentLibraryForm</Edit>
-  <New>DocumentLibraryForm</New>
-</FormTemplates>
-</file>
-
-<file path=customXml/item3.xml><?xml version="1.0" encoding="utf-8"?>
 <ct:contentTypeSchema xmlns:ct="http://schemas.microsoft.com/office/2006/metadata/contentType" xmlns:ma="http://schemas.microsoft.com/office/2006/metadata/properties/metaAttributes" ct:_="" ma:_="" ma:contentTypeName="Document" ma:contentTypeID="0x01010079F111ED35F8CC479449609E8A0923A6" ma:contentTypeVersion="11" ma:contentTypeDescription="Create a new document." ma:contentTypeScope="" ma:versionID="9677210f24a1be23c92c90fd886aa0aa">
   <xsd:schema xmlns:xsd="http://www.w3.org/2001/XMLSchema" xmlns:xs="http://www.w3.org/2001/XMLSchema" xmlns:p="http://schemas.microsoft.com/office/2006/metadata/properties" xmlns:ns2="71af3243-3dd4-4a8d-8c0d-dd76da1f02a5" xmlns:ns3="16c05727-aa75-4e4a-9b5f-8a80a1165891" targetNamespace="http://schemas.microsoft.com/office/2006/metadata/properties" ma:root="true" ma:fieldsID="60e05723c5c1908df1a1a4ebf11d344e" ns2:_="" ns3:_="">
     <xsd:import namespace="71af3243-3dd4-4a8d-8c0d-dd76da1f02a5"/>
@@ -9409,6 +10054,15 @@
 </ct:contentTypeSchema>
 </file>
 
+<file path=customXml/item3.xml><?xml version="1.0" encoding="utf-8"?>
+<?mso-contentType ?>
+<FormTemplates xmlns="http://schemas.microsoft.com/sharepoint/v3/contenttype/forms">
+  <Display>DocumentLibraryForm</Display>
+  <Edit>DocumentLibraryForm</Edit>
+  <New>DocumentLibraryForm</New>
+</FormTemplates>
+</file>
+
 <file path=customXml/itemProps1.xml><?xml version="1.0" encoding="utf-8"?>
 <ds:datastoreItem xmlns:ds="http://schemas.openxmlformats.org/officeDocument/2006/customXml" ds:itemID="{D7023227-530E-4024-91EF-312A851A758C}">
   <ds:schemaRefs>
@@ -9420,14 +10074,6 @@
 </file>
 
 <file path=customXml/itemProps2.xml><?xml version="1.0" encoding="utf-8"?>
-<ds:datastoreItem xmlns:ds="http://schemas.openxmlformats.org/officeDocument/2006/customXml" ds:itemID="{33315AA3-EAE3-44ED-8368-BAC2FFFB4817}">
-  <ds:schemaRefs>
-    <ds:schemaRef ds:uri="http://schemas.microsoft.com/sharepoint/v3/contenttype/forms"/>
-  </ds:schemaRefs>
-</ds:datastoreItem>
-</file>
-
-<file path=customXml/itemProps3.xml><?xml version="1.0" encoding="utf-8"?>
 <ds:datastoreItem xmlns:ds="http://schemas.openxmlformats.org/officeDocument/2006/customXml" ds:itemID="{627C19A7-3107-4CB2-BD0D-F7C79BE028CC}">
   <ds:schemaRefs>
     <ds:schemaRef ds:uri="http://schemas.microsoft.com/office/2006/metadata/contentType"/>
@@ -9444,4 +10090,12 @@
     <ds:schemaRef ds:uri="http://schemas.microsoft.com/internal/obd"/>
   </ds:schemaRefs>
 </ds:datastoreItem>
+</file>
+
+<file path=customXml/itemProps3.xml><?xml version="1.0" encoding="utf-8"?>
+<ds:datastoreItem xmlns:ds="http://schemas.openxmlformats.org/officeDocument/2006/customXml" ds:itemID="{33315AA3-EAE3-44ED-8368-BAC2FFFB4817}">
+  <ds:schemaRefs>
+    <ds:schemaRef ds:uri="http://schemas.microsoft.com/sharepoint/v3/contenttype/forms"/>
+  </ds:schemaRefs>
+</ds:datastoreItem>
 </file>